--- a/Mastering Flutter Session6.pptx
+++ b/Mastering Flutter Session6.pptx
@@ -19372,7 +19372,7 @@
           <a:p>
             <a:pPr lvl="0" algn="ctr"/>
             <a:r>
-              <a:rPr b="1" i="0">
+              <a:rPr b="1">
                 <a:ln w="28575" cap="flat" cmpd="sng">
                   <a:solidFill>
                     <a:schemeClr val="dk1"/>
@@ -19384,11 +19384,12 @@
                 </a:ln>
                 <a:noFill/>
                 <a:latin typeface="Calistoga"/>
+                <a:sym typeface="+mn-ea"/>
               </a:rPr>
               <a:t>0</a:t>
             </a:r>
             <a:r>
-              <a:rPr lang="ar-EG" b="1" i="0">
+              <a:rPr lang="en-US" b="1">
                 <a:ln w="28575" cap="flat" cmpd="sng">
                   <a:solidFill>
                     <a:schemeClr val="dk1"/>
@@ -19400,6 +19401,7 @@
                 </a:ln>
                 <a:noFill/>
                 <a:latin typeface="Calistoga"/>
+                <a:sym typeface="+mn-ea"/>
               </a:rPr>
               <a:t>4</a:t>
             </a:r>
